--- a/assets/slides/generated_slides.pptx
+++ b/assets/slides/generated_slides.pptx
@@ -12,6 +12,7 @@
     <p:sldId id="260" r:id="rId11"/>
     <p:sldId id="261" r:id="rId12"/>
     <p:sldId id="262" r:id="rId13"/>
+    <p:sldId id="263" r:id="rId14"/>
   </p:sldIdLst>
   <p:sldSz cx="9144000" cy="6858000" type="screen4x3"/>
   <p:notesSz cx="6858000" cy="9144000"/>
@@ -3142,8 +3143,8 @@
           <a:p>
             <a:pPr algn="ctr"/>
             <a:r>
-              <a:rPr sz="2400"/>
-              <a:t>Your Cosmic Journey: Unveiling Exoplanets with NASA Data! 🚀</a:t>
+              <a:rPr sz="3200" b="1"/>
+              <a:t>Your Cosmic Journey: Unveiling Exoplanet Secrets with NASA Data! 🚀</a:t>
             </a:r>
           </a:p>
         </p:txBody>
@@ -3182,7 +3183,12 @@
           <a:lstStyle/>
           <a:p>
             <a:r>
-              <a:t>What's Out There? The Exoplanet Quest! 🌌</a:t>
+              <a:rPr b="1" sz="2800">
+                <a:solidFill>
+                  <a:srgbClr val="000000"/>
+                </a:solidFill>
+              </a:rPr>
+              <a:t>Exoplanets: Worlds Beyond Our Solar System ⭐</a:t>
             </a:r>
           </a:p>
         </p:txBody>
@@ -3202,20 +3208,35 @@
           <a:bodyPr/>
           <a:lstStyle/>
           <a:p>
-            <a:r>
-              <a:t>Imagine worlds beyond our wildest dreams! Exoplanets are planets orbiting stars other than our Sun. ⭐</a:t>
-            </a:r>
-          </a:p>
-          <a:p>
-            <a:pPr/>
-            <a:r>
-              <a:t>NASA's incredible missions, like Kepler and TESS, are our eyes in the sky, finding thousands of these distant worlds! 🚀</a:t>
-            </a:r>
-          </a:p>
-          <a:p>
-            <a:pPr/>
-            <a:r>
-              <a:t>Why do we search? To unlock secrets of how planets form, discover the amazing variety of other solar systems, and even find signs of life! ✅</a:t>
+            <a:pPr>
+              <a:defRPr sz="1800"/>
+            </a:pPr>
+            <a:r>
+              <a:t>Imagine billions of stars, each potentially orbited by its own family of planets! These are exoplanets – planets outside our solar system. 🌌</a:t>
+            </a:r>
+          </a:p>
+          <a:p>
+            <a:pPr>
+              <a:defRPr sz="1800"/>
+            </a:pPr>
+            <a:r>
+              <a:t>NASA's grand quest: Discovering and characterizing these distant worlds to understand if we're alone in the universe. ✅</a:t>
+            </a:r>
+          </a:p>
+          <a:p>
+            <a:pPr>
+              <a:defRPr sz="1800"/>
+            </a:pPr>
+            <a:r>
+              <a:t>From scorching hot Jupiters to icy super-Earths, each exoplanet tells a unique story about how planets form and evolve. 🚀</a:t>
+            </a:r>
+          </a:p>
+          <a:p>
+            <a:pPr>
+              <a:defRPr sz="1800"/>
+            </a:pPr>
+            <a:r>
+              <a:t>Get ready to explore a universe teeming with diverse and mysterious worlds!</a:t>
             </a:r>
           </a:p>
         </p:txBody>
@@ -3254,7 +3275,12 @@
           <a:lstStyle/>
           <a:p>
             <a:r>
-              <a:t>Your Gateway: The NASA Exoplanet Archive! 🔭</a:t>
+              <a:rPr b="1" sz="2800">
+                <a:solidFill>
+                  <a:srgbClr val="000000"/>
+                </a:solidFill>
+              </a:rPr>
+              <a:t>How Do We Find These Hidden Worlds? 🕵️‍♀️</a:t>
             </a:r>
           </a:p>
         </p:txBody>
@@ -3274,20 +3300,35 @@
           <a:bodyPr/>
           <a:lstStyle/>
           <a:p>
-            <a:r>
-              <a:t>Ready to become an exoplanet explorer? The NASA Exoplanet Archive is your ultimate toolkit! [2]</a:t>
-            </a:r>
-          </a:p>
-          <a:p>
-            <a:pPr/>
-            <a:r>
-              <a:t>It's a massive, free online database packed with data on thousands of confirmed exoplanets and potential new worlds. ⭐</a:t>
-            </a:r>
-          </a:p>
-          <a:p>
-            <a:pPr/>
-            <a:r>
-              <a:t>Think of it as a cosmic library, always growing with the latest discoveries from telescopes around the globe! ✅</a:t>
+            <a:pPr>
+              <a:defRPr sz="1800"/>
+            </a:pPr>
+            <a:r>
+              <a:t>Exoplanets are tiny and far away, so we can't usually see them directly. But we're clever! 😉</a:t>
+            </a:r>
+          </a:p>
+          <a:p>
+            <a:pPr>
+              <a:defRPr sz="1800"/>
+            </a:pPr>
+            <a:r>
+              <a:t>One powerful method is the 'Transit Method': We watch for tiny dips in a star's brightness. 🔭</a:t>
+            </a:r>
+          </a:p>
+          <a:p>
+            <a:pPr>
+              <a:defRPr sz="1800"/>
+            </a:pPr>
+            <a:r>
+              <a:t>When a planet passes in front of its star (like a tiny eclipse!), it blocks a bit of the starlight. This dip tells us a planet is there! ✨</a:t>
+            </a:r>
+          </a:p>
+          <a:p>
+            <a:pPr>
+              <a:defRPr sz="1800"/>
+            </a:pPr>
+            <a:r>
+              <a:t>Missions like Kepler and TESS are cosmic detectives, using this method to find thousands of exoplanets! 🛰️</a:t>
             </a:r>
           </a:p>
         </p:txBody>
@@ -3326,7 +3367,12 @@
           <a:lstStyle/>
           <a:p>
             <a:r>
-              <a:t>How Do We Find Them? Cosmic Detective Work! 🕵️‍♀️</a:t>
+              <a:rPr b="1" sz="2800">
+                <a:solidFill>
+                  <a:srgbClr val="000000"/>
+                </a:solidFill>
+              </a:rPr>
+              <a:t>Your Gateway: The NASA Exoplanet Archive 🛰️</a:t>
             </a:r>
           </a:p>
         </p:txBody>
@@ -3346,26 +3392,35 @@
           <a:bodyPr/>
           <a:lstStyle/>
           <a:p>
-            <a:r>
-              <a:t>Exoplanets are tiny and far away, so we use clever tricks to find them! 💡</a:t>
-            </a:r>
-          </a:p>
-          <a:p>
-            <a:pPr/>
-            <a:r>
-              <a:t>**The Transit Method:** We watch for a star's light to dim slightly as a planet passes in front of it, like a tiny eclipse! 📉</a:t>
-            </a:r>
-          </a:p>
-          <a:p>
-            <a:pPr/>
-            <a:r>
-              <a:t>**The Radial Velocity Method:** We look for a star to 'wobble' as a planet's gravity tugs on it. It's like watching a star dance! 🕺</a:t>
-            </a:r>
-          </a:p>
-          <a:p>
-            <a:pPr/>
-            <a:r>
-              <a:t>These methods give us amazing clues about these hidden worlds! 🚀</a:t>
+            <a:pPr>
+              <a:defRPr sz="1800"/>
+            </a:pPr>
+            <a:r>
+              <a:t>Ready to explore? The NASA Exoplanet Archive is your ultimate treasure map! ⭐</a:t>
+            </a:r>
+          </a:p>
+          <a:p>
+            <a:pPr>
+              <a:defRPr sz="1800"/>
+            </a:pPr>
+            <a:r>
+              <a:t>It's a free, public database packed with data on thousands of confirmed exoplanets and promising candidates. ✅</a:t>
+            </a:r>
+          </a:p>
+          <a:p>
+            <a:pPr>
+              <a:defRPr sz="1800"/>
+            </a:pPr>
+            <a:r>
+              <a:t>This is where real scientists go to find and analyze exoplanet data from powerful telescopes like Kepler and K2. 🚀</a:t>
+            </a:r>
+          </a:p>
+          <a:p>
+            <a:pPr>
+              <a:defRPr sz="1800"/>
+            </a:pPr>
+            <a:r>
+              <a:t>You'll find everything from planet sizes and masses to orbital periods and host star properties!</a:t>
             </a:r>
           </a:p>
         </p:txBody>
@@ -3404,7 +3459,12 @@
           <a:lstStyle/>
           <a:p>
             <a:r>
-              <a:t>Decoding the Data: What Stories Do They Tell? 📈</a:t>
+              <a:rPr b="1" sz="2800">
+                <a:solidFill>
+                  <a:srgbClr val="000000"/>
+                </a:solidFill>
+              </a:rPr>
+              <a:t>What Can You Discover? Your Cosmic Questions! 🔭</a:t>
             </a:r>
           </a:p>
         </p:txBody>
@@ -3424,32 +3484,35 @@
           <a:bodyPr/>
           <a:lstStyle/>
           <a:p>
-            <a:r>
-              <a:t>The Archive holds the keys to understanding exoplanets! What can you uncover? 🧐</a:t>
-            </a:r>
-          </a:p>
-          <a:p>
-            <a:pPr/>
-            <a:r>
-              <a:t>**Planet Power:** Find out a planet's size (radius), weight (mass), how long its year is (orbital period), and even its temperature! [3]</a:t>
-            </a:r>
-          </a:p>
-          <a:p>
-            <a:pPr/>
-            <a:r>
-              <a:t>**Star Secrets:** Learn about the host star – how hot it is, how bright, and what elements it's made of. [3]</a:t>
-            </a:r>
-          </a:p>
-          <a:p>
-            <a:pPr/>
-            <a:r>
-              <a:t>**Raw Clues:** Dive into the actual transit light curves and radial velocity measurements that reveal these planets! 🚀</a:t>
-            </a:r>
-          </a:p>
-          <a:p>
-            <a:pPr/>
-            <a:r>
-              <a:t>Special datasets, like K2 Planet and Candidate Data, are waiting for your exploration! [1]</a:t>
+            <a:pPr>
+              <a:defRPr sz="1800"/>
+            </a:pPr>
+            <a:r>
+              <a:t>**Are we alone? (Astrobiology)**: Hunt for planets in the 'habitable zone' – where liquid water could exist. Could life thrive there? 🌌</a:t>
+            </a:r>
+          </a:p>
+          <a:p>
+            <a:pPr>
+              <a:defRPr sz="1800"/>
+            </a:pPr>
+            <a:r>
+              <a:t>**How do planets move? (Orbital Mechanics)**: Investigate how planets orbit their stars, their speeds, and how multiple planets dance together. ⭐</a:t>
+            </a:r>
+          </a:p>
+          <a:p>
+            <a:pPr>
+              <a:defRPr sz="1800"/>
+            </a:pPr>
+            <a:r>
+              <a:t>**What do telescopes see? (Telescope Data)**: Analyze 'light curves' – graphs of starlight over time – to measure planet sizes and orbital periods. 📈</a:t>
+            </a:r>
+          </a:p>
+          <a:p>
+            <a:pPr>
+              <a:defRPr sz="1800"/>
+            </a:pPr>
+            <a:r>
+              <a:t>Your curiosity can lead to amazing discoveries about our universe! ✨</a:t>
             </a:r>
           </a:p>
         </p:txBody>
@@ -3488,7 +3551,12 @@
           <a:lstStyle/>
           <a:p>
             <a:r>
-              <a:t>Your First Mission: Explore the Archive! 🧑‍💻</a:t>
+              <a:rPr b="1" sz="2800">
+                <a:solidFill>
+                  <a:srgbClr val="000000"/>
+                </a:solidFill>
+              </a:rPr>
+              <a:t>Your Toolkit: Diving into the Data! 📊</a:t>
             </a:r>
           </a:p>
         </p:txBody>
@@ -3508,26 +3576,35 @@
           <a:bodyPr/>
           <a:lstStyle/>
           <a:p>
-            <a:r>
-              <a:t>Ready to start your own exoplanet hunt? It's easier than you think! ✨</a:t>
-            </a:r>
-          </a:p>
-          <a:p>
-            <a:pPr/>
-            <a:r>
-              <a:t>The NASA Exoplanet Archive has user-friendly tools to search, filter, and visualize data. 🖥️</a:t>
-            </a:r>
-          </a:p>
-          <a:p>
-            <a:pPr/>
-            <a:r>
-              <a:t>**Challenge:** Can you find the largest exoplanet discovered so far? Or the one with the shortest year? 🏆</a:t>
-            </a:r>
-          </a:p>
-          <a:p>
-            <a:pPr/>
-            <a:r>
-              <a:t>Every click brings you closer to understanding our incredible universe! 🌌</a:t>
+            <a:pPr>
+              <a:defRPr sz="1800"/>
+            </a:pPr>
+            <a:r>
+              <a:t>The NASA Exoplanet Archive offers raw, exciting data for you to explore! 💻</a:t>
+            </a:r>
+          </a:p>
+          <a:p>
+            <a:pPr>
+              <a:defRPr sz="1800"/>
+            </a:pPr>
+            <a:r>
+              <a:t>You can access lists of planets, their characteristics, and even the raw light curve data from telescopes. 📈</a:t>
+            </a:r>
+          </a:p>
+          <a:p>
+            <a:pPr>
+              <a:defRPr sz="1800"/>
+            </a:pPr>
+            <a:r>
+              <a:t>Think of it as a giant spreadsheet of cosmic secrets waiting for you to unlock them! 🔑</a:t>
+            </a:r>
+          </a:p>
+          <a:p>
+            <a:pPr>
+              <a:defRPr sz="1800"/>
+            </a:pPr>
+            <a:r>
+              <a:t>No fancy equipment needed – just your computer and a curious mind! ✅</a:t>
             </a:r>
           </a:p>
         </p:txBody>
@@ -3566,7 +3643,12 @@
           <a:lstStyle/>
           <a:p>
             <a:r>
-              <a:t>References 📚</a:t>
+              <a:rPr b="1" sz="2800">
+                <a:solidFill>
+                  <a:srgbClr val="000000"/>
+                </a:solidFill>
+              </a:rPr>
+              <a:t>Ready to Explore? Your Exoplanet Adventure Begins! ✨</a:t>
             </a:r>
           </a:p>
         </p:txBody>
@@ -3586,20 +3668,127 @@
           <a:bodyPr/>
           <a:lstStyle/>
           <a:p>
-            <a:r>
-              <a:t>NASA Exoplanet Archive (K2 Planet and Candidate Data): https://exoplanetarchive.ipac.caltech.edu/cgi-bin/TblView/nph-tblView?app=ExoTbls&amp;config=k2pandc [1]</a:t>
-            </a:r>
-          </a:p>
-          <a:p>
-            <a:pPr/>
-            <a:r>
-              <a:t>NASA Exoplanet Archive Overview: https://exoplanetarchive.ipac.caltech.edu/docs/intro.html [2]</a:t>
-            </a:r>
-          </a:p>
-          <a:p>
-            <a:pPr/>
-            <a:r>
-              <a:t>NASA Exoplanet Archive Data Overview: https://exoplanetarchive.ipac.caltech.edu/docs/data.html [3]</a:t>
+            <a:pPr>
+              <a:defRPr sz="1800"/>
+            </a:pPr>
+            <a:r>
+              <a:t>This isn't just for professional astronomers – you can contribute too! 🚀</a:t>
+            </a:r>
+          </a:p>
+          <a:p>
+            <a:pPr>
+              <a:defRPr sz="1800"/>
+            </a:pPr>
+            <a:r>
+              <a:t>Start by browsing the K2 Planet and Candidate List to see real observational data. ⭐</a:t>
+            </a:r>
+          </a:p>
+          <a:p>
+            <a:pPr>
+              <a:defRPr sz="1800"/>
+            </a:pPr>
+            <a:r>
+              <a:t>Look for patterns, identify unique systems, or even find your favorite exoplanet! 🌌</a:t>
+            </a:r>
+          </a:p>
+          <a:p>
+            <a:pPr>
+              <a:defRPr sz="1800"/>
+            </a:pPr>
+            <a:r>
+              <a:t>The universe is waiting for you to explore its deepest secrets. Happy hunting! ✅</a:t>
+            </a:r>
+          </a:p>
+        </p:txBody>
+      </p:sp>
+    </p:spTree>
+  </p:cSld>
+  <p:clrMapOvr>
+    <a:masterClrMapping/>
+  </p:clrMapOvr>
+</p:sld>
+</file>
+
+<file path=ppt/slides/slide8.xml><?xml version="1.0" encoding="utf-8"?>
+<p:sld xmlns:a="http://schemas.openxmlformats.org/drawingml/2006/main" xmlns:p="http://schemas.openxmlformats.org/presentationml/2006/main" xmlns:r="http://schemas.openxmlformats.org/officeDocument/2006/relationships">
+  <p:cSld>
+    <p:spTree>
+      <p:nvGrpSpPr>
+        <p:cNvPr id="1" name=""/>
+        <p:cNvGrpSpPr/>
+        <p:nvPr/>
+      </p:nvGrpSpPr>
+      <p:grpSpPr/>
+      <p:sp>
+        <p:nvSpPr>
+          <p:cNvPr id="2" name="Title 1"/>
+          <p:cNvSpPr>
+            <a:spLocks noGrp="1"/>
+          </p:cNvSpPr>
+          <p:nvPr>
+            <p:ph type="title"/>
+          </p:nvPr>
+        </p:nvSpPr>
+        <p:spPr/>
+        <p:txBody>
+          <a:bodyPr/>
+          <a:lstStyle/>
+          <a:p>
+            <a:r>
+              <a:rPr b="1" sz="2800">
+                <a:solidFill>
+                  <a:srgbClr val="000000"/>
+                </a:solidFill>
+              </a:rPr>
+              <a:t>References</a:t>
+            </a:r>
+          </a:p>
+        </p:txBody>
+      </p:sp>
+      <p:sp>
+        <p:nvSpPr>
+          <p:cNvPr id="3" name="Content Placeholder 2"/>
+          <p:cNvSpPr>
+            <a:spLocks noGrp="1"/>
+          </p:cNvSpPr>
+          <p:nvPr>
+            <p:ph idx="1"/>
+          </p:nvPr>
+        </p:nvSpPr>
+        <p:spPr/>
+        <p:txBody>
+          <a:bodyPr/>
+          <a:lstStyle/>
+          <a:p>
+            <a:pPr>
+              <a:defRPr sz="1800"/>
+            </a:pPr>
+            <a:r>
+              <a:t>NASA Exoplanet Archive Overview: https://exoplanetarchive.ipac.caltech.edu/docs/intro.html</a:t>
+            </a:r>
+          </a:p>
+          <a:p>
+            <a:pPr>
+              <a:defRPr sz="1800"/>
+            </a:pPr>
+            <a:r>
+              <a:t>Understanding the Data: https://exoplanetarchive.ipac.caltech.edu/docs/data.html</a:t>
+            </a:r>
+          </a:p>
+          <a:p>
+            <a:pPr>
+              <a:defRPr sz="1800"/>
+            </a:pPr>
+            <a:r>
+              <a:t>Direct Dataset Link (K2 Planets &amp; Candidates): https://exoplanetarchive.ipac.caltech.edu/cgi-bin/TblView/nph-tblView?app=ExoTbls&amp;config=k2pandc</a:t>
+            </a:r>
+          </a:p>
+          <a:p>
+            <a:pPr>
+              <a:defRPr sz="1800"/>
+            </a:pPr>
+            <a:r>
+              <a:t>NASA Exoplanet Archive: https://exoplanetarchive.ipac.caltech.edu/</a:t>
             </a:r>
           </a:p>
         </p:txBody>

--- a/assets/slides/generated_slides.pptx
+++ b/assets/slides/generated_slides.pptx
@@ -3144,7 +3144,7 @@
             <a:pPr algn="ctr"/>
             <a:r>
               <a:rPr sz="3200" b="1"/>
-              <a:t>Your Cosmic Journey: Unveiling Exoplanet Secrets with NASA Data! 🚀</a:t>
+              <a:t>🚀 Journey to Exoplanets: Unveiling NASA's Data Universe 🌌</a:t>
             </a:r>
           </a:p>
         </p:txBody>
@@ -3188,7 +3188,7 @@
                   <a:srgbClr val="000000"/>
                 </a:solidFill>
               </a:rPr>
-              <a:t>Exoplanets: Worlds Beyond Our Solar System ⭐</a:t>
+              <a:t>⭐ Worlds Beyond Our Sun: What Are Exoplanets?</a:t>
             </a:r>
           </a:p>
         </p:txBody>
@@ -3212,7 +3212,7 @@
               <a:defRPr sz="1800"/>
             </a:pPr>
             <a:r>
-              <a:t>Imagine billions of stars, each potentially orbited by its own family of planets! These are exoplanets – planets outside our solar system. 🌌</a:t>
+              <a:t>✅ Discovering planets orbiting other stars – that's an exoplanet!</a:t>
             </a:r>
           </a:p>
           <a:p>
@@ -3220,7 +3220,7 @@
               <a:defRPr sz="1800"/>
             </a:pPr>
             <a:r>
-              <a:t>NASA's grand quest: Discovering and characterizing these distant worlds to understand if we're alone in the universe. ✅</a:t>
+              <a:t>🚀 Why search? To find answers to big questions: Are we alone? Is there life out there? (Hello, Astrobiology! 👽)</a:t>
             </a:r>
           </a:p>
           <a:p>
@@ -3228,7 +3228,7 @@
               <a:defRPr sz="1800"/>
             </a:pPr>
             <a:r>
-              <a:t>From scorching hot Jupiters to icy super-Earths, each exoplanet tells a unique story about how planets form and evolve. 🚀</a:t>
+              <a:t>🌌 NASA's mission: Leading the hunt with powerful telescopes, both on Earth and in space.</a:t>
             </a:r>
           </a:p>
           <a:p>
@@ -3236,7 +3236,7 @@
               <a:defRPr sz="1800"/>
             </a:pPr>
             <a:r>
-              <a:t>Get ready to explore a universe teeming with diverse and mysterious worlds!</a:t>
+              <a:t>✨ Over 5,000 exoplanets confirmed so far – and counting!</a:t>
             </a:r>
           </a:p>
         </p:txBody>
@@ -3280,7 +3280,7 @@
                   <a:srgbClr val="000000"/>
                 </a:solidFill>
               </a:rPr>
-              <a:t>How Do We Find These Hidden Worlds? 🕵️‍♀️</a:t>
+              <a:t>🔭 Cosmic Detective Work: How We Spot Exoplanets!</a:t>
             </a:r>
           </a:p>
         </p:txBody>
@@ -3304,7 +3304,7 @@
               <a:defRPr sz="1800"/>
             </a:pPr>
             <a:r>
-              <a:t>Exoplanets are tiny and far away, so we can't usually see them directly. But we're clever! 😉</a:t>
+              <a:t>⭐ The Transit Method: Watching a star dim as a planet passes in front of it (like a tiny eclipse!).</a:t>
             </a:r>
           </a:p>
           <a:p>
@@ -3312,7 +3312,7 @@
               <a:defRPr sz="1800"/>
             </a:pPr>
             <a:r>
-              <a:t>One powerful method is the 'Transit Method': We watch for tiny dips in a star's brightness. 🔭</a:t>
+              <a:t>🚀 Radial Velocity: Detecting a star's wobble caused by a planet's gravitational tug.</a:t>
             </a:r>
           </a:p>
           <a:p>
@@ -3320,7 +3320,7 @@
               <a:defRPr sz="1800"/>
             </a:pPr>
             <a:r>
-              <a:t>When a planet passes in front of its star (like a tiny eclipse!), it blocks a bit of the starlight. This dip tells us a planet is there! ✨</a:t>
+              <a:t>🌌 Direct Imaging: Sometimes, we can even take a picture of a planet directly!</a:t>
             </a:r>
           </a:p>
           <a:p>
@@ -3328,7 +3328,7 @@
               <a:defRPr sz="1800"/>
             </a:pPr>
             <a:r>
-              <a:t>Missions like Kepler and TESS are cosmic detectives, using this method to find thousands of exoplanets! 🛰️</a:t>
+              <a:t>✅ And many more clever techniques scientists use!</a:t>
             </a:r>
           </a:p>
         </p:txBody>
@@ -3372,7 +3372,7 @@
                   <a:srgbClr val="000000"/>
                 </a:solidFill>
               </a:rPr>
-              <a:t>Your Gateway: The NASA Exoplanet Archive 🛰️</a:t>
+              <a:t>🌟 Kepler's Legacy: Our Cosmic Planet Hunter!</a:t>
             </a:r>
           </a:p>
         </p:txBody>
@@ -3396,7 +3396,7 @@
               <a:defRPr sz="1800"/>
             </a:pPr>
             <a:r>
-              <a:t>Ready to explore? The NASA Exoplanet Archive is your ultimate treasure map! ⭐</a:t>
+              <a:t>✅ The Kepler Space Telescope: NASA's dedicated mission to find exoplanets using the transit method.</a:t>
             </a:r>
           </a:p>
           <a:p>
@@ -3404,7 +3404,7 @@
               <a:defRPr sz="1800"/>
             </a:pPr>
             <a:r>
-              <a:t>It's a free, public database packed with data on thousands of confirmed exoplanets and promising candidates. ✅</a:t>
+              <a:t>🚀 Its mission: Staring at one patch of sky for years, looking for those tell-tale dips in starlight.</a:t>
             </a:r>
           </a:p>
           <a:p>
@@ -3412,7 +3412,7 @@
               <a:defRPr sz="1800"/>
             </a:pPr>
             <a:r>
-              <a:t>This is where real scientists go to find and analyze exoplanet data from powerful telescopes like Kepler and K2. 🚀</a:t>
+              <a:t>🌌 Kepler found thousands of exoplanets, including many potentially habitable ones!</a:t>
             </a:r>
           </a:p>
           <a:p>
@@ -3420,7 +3420,15 @@
               <a:defRPr sz="1800"/>
             </a:pPr>
             <a:r>
-              <a:t>You'll find everything from planet sizes and masses to orbital periods and host star properties!</a:t>
+              <a:t>🔭 What can we learn? Not just if a planet exists, but also its size and orbit!</a:t>
+            </a:r>
+          </a:p>
+          <a:p>
+            <a:pPr>
+              <a:defRPr sz="1800"/>
+            </a:pPr>
+            <a:r>
+              <a:t>💨 Peeking into exoplanet atmospheres: Future missions will build on Kepler's work to study what these worlds are made of!</a:t>
             </a:r>
           </a:p>
         </p:txBody>
@@ -3464,7 +3472,7 @@
                   <a:srgbClr val="000000"/>
                 </a:solidFill>
               </a:rPr>
-              <a:t>What Can You Discover? Your Cosmic Questions! 🔭</a:t>
+              <a:t>🚀 The Next Generation: Exploring Further!</a:t>
             </a:r>
           </a:p>
         </p:txBody>
@@ -3488,7 +3496,7 @@
               <a:defRPr sz="1800"/>
             </a:pPr>
             <a:r>
-              <a:t>**Are we alone? (Astrobiology)**: Hunt for planets in the 'habitable zone' – where liquid water could exist. Could life thrive there? 🌌</a:t>
+              <a:t>✅ TESS (Transiting Exoplanet Survey Satellite): Our current all-sky survey, finding planets around nearby, bright stars.</a:t>
             </a:r>
           </a:p>
           <a:p>
@@ -3496,7 +3504,7 @@
               <a:defRPr sz="1800"/>
             </a:pPr>
             <a:r>
-              <a:t>**How do planets move? (Orbital Mechanics)**: Investigate how planets orbit their stars, their speeds, and how multiple planets dance together. ⭐</a:t>
+              <a:t>🌌 James Webb Space Telescope (JWST): A powerful new eye to study exoplanet atmospheres in incredible detail!</a:t>
             </a:r>
           </a:p>
           <a:p>
@@ -3504,7 +3512,7 @@
               <a:defRPr sz="1800"/>
             </a:pPr>
             <a:r>
-              <a:t>**What do telescopes see? (Telescope Data)**: Analyze 'light curves' – graphs of starlight over time – to measure planet sizes and orbital periods. 📈</a:t>
+              <a:t>⭐ Future missions: Designed to find even smaller, Earth-like worlds and search for signs of life.</a:t>
             </a:r>
           </a:p>
           <a:p>
@@ -3512,7 +3520,7 @@
               <a:defRPr sz="1800"/>
             </a:pPr>
             <a:r>
-              <a:t>Your curiosity can lead to amazing discoveries about our universe! ✨</a:t>
+              <a:t>🔭 Each new telescope brings us closer to understanding our place in the universe!</a:t>
             </a:r>
           </a:p>
         </p:txBody>
@@ -3556,7 +3564,7 @@
                   <a:srgbClr val="000000"/>
                 </a:solidFill>
               </a:rPr>
-              <a:t>Your Toolkit: Diving into the Data! 📊</a:t>
+              <a:t>💻 Your Gateway to the Cosmos: The NASA Exoplanet Archive</a:t>
             </a:r>
           </a:p>
         </p:txBody>
@@ -3580,7 +3588,7 @@
               <a:defRPr sz="1800"/>
             </a:pPr>
             <a:r>
-              <a:t>The NASA Exoplanet Archive offers raw, exciting data for you to explore! 💻</a:t>
+              <a:t>✅ The NASA Exoplanet Archive: Your one-stop shop for all confirmed exoplanet data!</a:t>
             </a:r>
           </a:p>
           <a:p>
@@ -3588,7 +3596,7 @@
               <a:defRPr sz="1800"/>
             </a:pPr>
             <a:r>
-              <a:t>You can access lists of planets, their characteristics, and even the raw light curve data from telescopes. 📈</a:t>
+              <a:t>🚀 It's a treasure chest of information from missions like Kepler, TESS, and ground-based telescopes.</a:t>
             </a:r>
           </a:p>
           <a:p>
@@ -3596,7 +3604,7 @@
               <a:defRPr sz="1800"/>
             </a:pPr>
             <a:r>
-              <a:t>Think of it as a giant spreadsheet of cosmic secrets waiting for you to unlock them! 🔑</a:t>
+              <a:t>🌌 Exploring datasets: We'll look at examples like K2 Campaign 9 (K2C9) – a rich source of transiting planets.</a:t>
             </a:r>
           </a:p>
           <a:p>
@@ -3604,7 +3612,7 @@
               <a:defRPr sz="1800"/>
             </a:pPr>
             <a:r>
-              <a:t>No fancy equipment needed – just your computer and a curious mind! ✅</a:t>
+              <a:t>⭐ What's inside? Planet size, mass, orbital period, host star properties, and much more!</a:t>
             </a:r>
           </a:p>
         </p:txBody>
@@ -3648,7 +3656,7 @@
                   <a:srgbClr val="000000"/>
                 </a:solidFill>
               </a:rPr>
-              <a:t>Ready to Explore? Your Exoplanet Adventure Begins! ✨</a:t>
+              <a:t>✨ Become an Exoplanet Explorer: Hands-On Data!</a:t>
             </a:r>
           </a:p>
         </p:txBody>
@@ -3672,7 +3680,7 @@
               <a:defRPr sz="1800"/>
             </a:pPr>
             <a:r>
-              <a:t>This isn't just for professional astronomers – you can contribute too! 🚀</a:t>
+              <a:t>✅ Navigating the Archive: Learn to search, filter, and download exoplanet data.</a:t>
             </a:r>
           </a:p>
           <a:p>
@@ -3680,7 +3688,7 @@
               <a:defRPr sz="1800"/>
             </a:pPr>
             <a:r>
-              <a:t>Start by browsing the K2 Planet and Candidate List to see real observational data. ⭐</a:t>
+              <a:t>🚀 Practical application: Let's find planets of a certain size or orbiting a specific type of star!</a:t>
             </a:r>
           </a:p>
           <a:p>
@@ -3688,7 +3696,7 @@
               <a:defRPr sz="1800"/>
             </a:pPr>
             <a:r>
-              <a:t>Look for patterns, identify unique systems, or even find your favorite exoplanet! 🌌</a:t>
+              <a:t>🌌 Visualizing the universe: Create your own plots to see patterns in exoplanet properties.</a:t>
             </a:r>
           </a:p>
           <a:p>
@@ -3696,7 +3704,7 @@
               <a:defRPr sz="1800"/>
             </a:pPr>
             <a:r>
-              <a:t>The universe is waiting for you to explore its deepest secrets. Happy hunting! ✅</a:t>
+              <a:t>⭐ Your journey starts now: Uncover new insights from real NASA data!</a:t>
             </a:r>
           </a:p>
         </p:txBody>
@@ -3764,7 +3772,7 @@
               <a:defRPr sz="1800"/>
             </a:pPr>
             <a:r>
-              <a:t>NASA Exoplanet Archive Overview: https://exoplanetarchive.ipac.caltech.edu/docs/intro.html</a:t>
+              <a:t>NASA Exoplanet Archive: https://exoplanetarchive.ipac.caltech.edu/</a:t>
             </a:r>
           </a:p>
           <a:p>
@@ -3772,7 +3780,7 @@
               <a:defRPr sz="1800"/>
             </a:pPr>
             <a:r>
-              <a:t>Understanding the Data: https://exoplanetarchive.ipac.caltech.edu/docs/data.html</a:t>
+              <a:t>K2 Campaign 9 Dataset: https://exoplanetarchive.ipac.caltech.edu/cgi-bin/TblView/nph-tblView?app=ExoTbls&amp;config=k2pandc</a:t>
             </a:r>
           </a:p>
           <a:p>
@@ -3780,7 +3788,7 @@
               <a:defRPr sz="1800"/>
             </a:pPr>
             <a:r>
-              <a:t>Direct Dataset Link (K2 Planets &amp; Candidates): https://exoplanetarchive.ipac.caltech.edu/cgi-bin/TblView/nph-tblView?app=ExoTbls&amp;config=k2pandc</a:t>
+              <a:t>Understanding Archive Data: https://exoplanetarchive.ipac.caltech.edu/docs/data.html</a:t>
             </a:r>
           </a:p>
           <a:p>
@@ -3788,7 +3796,7 @@
               <a:defRPr sz="1800"/>
             </a:pPr>
             <a:r>
-              <a:t>NASA Exoplanet Archive: https://exoplanetarchive.ipac.caltech.edu/</a:t>
+              <a:t>NASA Exoplanet Exploration Program: https://exoplanets.nasa.gov/</a:t>
             </a:r>
           </a:p>
         </p:txBody>
